--- a/ppt 16-9/0808.主我想问一问你.pptx
+++ b/ppt 16-9/0808.主我想问一问你.pptx
@@ -129,7 +129,7 @@
           <p:cNvPr id="2" name="标题 1">
             <a:extLst>
               <a:ext uri="{FF2B5EF4-FFF2-40B4-BE49-F238E27FC236}">
-                <a16:creationId xmlns:a16="http://schemas.microsoft.com/office/drawing/2014/main" id="{C43818DC-1A44-FBEE-D3B1-EFE9723F9B49}"/>
+                <a16:creationId xmlns:a16="http://schemas.microsoft.com/office/drawing/2014/main" id="{E2117A47-D74C-450A-8255-27F665562ACA}"/>
               </a:ext>
             </a:extLst>
           </p:cNvPr>
@@ -166,7 +166,7 @@
           <p:cNvPr id="3" name="副标题 2">
             <a:extLst>
               <a:ext uri="{FF2B5EF4-FFF2-40B4-BE49-F238E27FC236}">
-                <a16:creationId xmlns:a16="http://schemas.microsoft.com/office/drawing/2014/main" id="{3D1F727B-76F6-605A-0972-671C5A7FAEE2}"/>
+                <a16:creationId xmlns:a16="http://schemas.microsoft.com/office/drawing/2014/main" id="{91358681-BC00-66EB-DFEF-3E289DD5F4D7}"/>
               </a:ext>
             </a:extLst>
           </p:cNvPr>
@@ -236,7 +236,7 @@
           <p:cNvPr id="4" name="日期占位符 3">
             <a:extLst>
               <a:ext uri="{FF2B5EF4-FFF2-40B4-BE49-F238E27FC236}">
-                <a16:creationId xmlns:a16="http://schemas.microsoft.com/office/drawing/2014/main" id="{166DF53F-0ECD-B2C1-EE5D-A281A42B3BB9}"/>
+                <a16:creationId xmlns:a16="http://schemas.microsoft.com/office/drawing/2014/main" id="{FA155987-261D-CA86-C388-E42D7400D87F}"/>
               </a:ext>
             </a:extLst>
           </p:cNvPr>
@@ -252,7 +252,7 @@
           <a:bodyPr/>
           <a:lstStyle/>
           <a:p>
-            <a:fld id="{632C64C7-D25B-4F8D-A5BB-CE5CF5A9F33D}" type="datetimeFigureOut">
+            <a:fld id="{BDAA2F50-1158-4130-8831-AE62522567A3}" type="datetimeFigureOut">
               <a:rPr lang="zh-CN" altLang="en-US" smtClean="0"/>
               <a:t>2024/3/10</a:t>
             </a:fld>
@@ -265,7 +265,7 @@
           <p:cNvPr id="5" name="页脚占位符 4">
             <a:extLst>
               <a:ext uri="{FF2B5EF4-FFF2-40B4-BE49-F238E27FC236}">
-                <a16:creationId xmlns:a16="http://schemas.microsoft.com/office/drawing/2014/main" id="{FD991B73-EE3C-A47F-391E-4CE1462FA66F}"/>
+                <a16:creationId xmlns:a16="http://schemas.microsoft.com/office/drawing/2014/main" id="{D166A143-463A-5556-0151-D94E33203FCD}"/>
               </a:ext>
             </a:extLst>
           </p:cNvPr>
@@ -290,7 +290,7 @@
           <p:cNvPr id="6" name="灯片编号占位符 5">
             <a:extLst>
               <a:ext uri="{FF2B5EF4-FFF2-40B4-BE49-F238E27FC236}">
-                <a16:creationId xmlns:a16="http://schemas.microsoft.com/office/drawing/2014/main" id="{CCCE3BF7-68C7-EDE9-98BE-7C81564A99B4}"/>
+                <a16:creationId xmlns:a16="http://schemas.microsoft.com/office/drawing/2014/main" id="{47037ABB-CDA1-5863-0141-627D149BF30A}"/>
               </a:ext>
             </a:extLst>
           </p:cNvPr>
@@ -306,7 +306,7 @@
           <a:bodyPr/>
           <a:lstStyle/>
           <a:p>
-            <a:fld id="{D2098662-5C74-471D-BC53-A08C229D86E1}" type="slidenum">
+            <a:fld id="{63DCEB39-6D0D-4D94-A3A8-D1D935FD3785}" type="slidenum">
               <a:rPr lang="zh-CN" altLang="en-US" smtClean="0"/>
               <a:t>‹#›</a:t>
             </a:fld>
@@ -317,7 +317,7 @@
     </p:spTree>
     <p:extLst>
       <p:ext uri="{BB962C8B-B14F-4D97-AF65-F5344CB8AC3E}">
-        <p14:creationId xmlns:p14="http://schemas.microsoft.com/office/powerpoint/2010/main" val="2406798803"/>
+        <p14:creationId xmlns:p14="http://schemas.microsoft.com/office/powerpoint/2010/main" val="2969018611"/>
       </p:ext>
     </p:extLst>
   </p:cSld>
@@ -349,7 +349,7 @@
           <p:cNvPr id="2" name="标题 1">
             <a:extLst>
               <a:ext uri="{FF2B5EF4-FFF2-40B4-BE49-F238E27FC236}">
-                <a16:creationId xmlns:a16="http://schemas.microsoft.com/office/drawing/2014/main" id="{1392F0F2-4387-9A7B-1A25-5889A47E2278}"/>
+                <a16:creationId xmlns:a16="http://schemas.microsoft.com/office/drawing/2014/main" id="{0CF76DA7-F948-270A-FAE0-534C0B4DA9A5}"/>
               </a:ext>
             </a:extLst>
           </p:cNvPr>
@@ -377,7 +377,7 @@
           <p:cNvPr id="3" name="竖排文字占位符 2">
             <a:extLst>
               <a:ext uri="{FF2B5EF4-FFF2-40B4-BE49-F238E27FC236}">
-                <a16:creationId xmlns:a16="http://schemas.microsoft.com/office/drawing/2014/main" id="{01D1E869-1169-9E75-5746-B9758683B218}"/>
+                <a16:creationId xmlns:a16="http://schemas.microsoft.com/office/drawing/2014/main" id="{9C64897B-BE28-453C-305E-A468C7EADE48}"/>
               </a:ext>
             </a:extLst>
           </p:cNvPr>
@@ -434,7 +434,7 @@
           <p:cNvPr id="4" name="日期占位符 3">
             <a:extLst>
               <a:ext uri="{FF2B5EF4-FFF2-40B4-BE49-F238E27FC236}">
-                <a16:creationId xmlns:a16="http://schemas.microsoft.com/office/drawing/2014/main" id="{5B20A752-7BF5-1B15-3750-83F7DE2EA079}"/>
+                <a16:creationId xmlns:a16="http://schemas.microsoft.com/office/drawing/2014/main" id="{4D077024-8DEE-FDA2-1A2A-FC133D4CC8CE}"/>
               </a:ext>
             </a:extLst>
           </p:cNvPr>
@@ -450,7 +450,7 @@
           <a:bodyPr/>
           <a:lstStyle/>
           <a:p>
-            <a:fld id="{632C64C7-D25B-4F8D-A5BB-CE5CF5A9F33D}" type="datetimeFigureOut">
+            <a:fld id="{BDAA2F50-1158-4130-8831-AE62522567A3}" type="datetimeFigureOut">
               <a:rPr lang="zh-CN" altLang="en-US" smtClean="0"/>
               <a:t>2024/3/10</a:t>
             </a:fld>
@@ -463,7 +463,7 @@
           <p:cNvPr id="5" name="页脚占位符 4">
             <a:extLst>
               <a:ext uri="{FF2B5EF4-FFF2-40B4-BE49-F238E27FC236}">
-                <a16:creationId xmlns:a16="http://schemas.microsoft.com/office/drawing/2014/main" id="{006FAF74-9C1B-0DB0-28D6-30929A31E429}"/>
+                <a16:creationId xmlns:a16="http://schemas.microsoft.com/office/drawing/2014/main" id="{2BCD6321-71C7-8148-9779-7A9F1CBEF574}"/>
               </a:ext>
             </a:extLst>
           </p:cNvPr>
@@ -488,7 +488,7 @@
           <p:cNvPr id="6" name="灯片编号占位符 5">
             <a:extLst>
               <a:ext uri="{FF2B5EF4-FFF2-40B4-BE49-F238E27FC236}">
-                <a16:creationId xmlns:a16="http://schemas.microsoft.com/office/drawing/2014/main" id="{10E99F03-DB85-B891-45C5-B0B9BE554523}"/>
+                <a16:creationId xmlns:a16="http://schemas.microsoft.com/office/drawing/2014/main" id="{1E4A407D-585B-35B6-647A-82EB46C3C050}"/>
               </a:ext>
             </a:extLst>
           </p:cNvPr>
@@ -504,7 +504,7 @@
           <a:bodyPr/>
           <a:lstStyle/>
           <a:p>
-            <a:fld id="{D2098662-5C74-471D-BC53-A08C229D86E1}" type="slidenum">
+            <a:fld id="{63DCEB39-6D0D-4D94-A3A8-D1D935FD3785}" type="slidenum">
               <a:rPr lang="zh-CN" altLang="en-US" smtClean="0"/>
               <a:t>‹#›</a:t>
             </a:fld>
@@ -515,7 +515,7 @@
     </p:spTree>
     <p:extLst>
       <p:ext uri="{BB962C8B-B14F-4D97-AF65-F5344CB8AC3E}">
-        <p14:creationId xmlns:p14="http://schemas.microsoft.com/office/powerpoint/2010/main" val="1699888440"/>
+        <p14:creationId xmlns:p14="http://schemas.microsoft.com/office/powerpoint/2010/main" val="1798511437"/>
       </p:ext>
     </p:extLst>
   </p:cSld>
@@ -547,7 +547,7 @@
           <p:cNvPr id="2" name="竖排标题 1">
             <a:extLst>
               <a:ext uri="{FF2B5EF4-FFF2-40B4-BE49-F238E27FC236}">
-                <a16:creationId xmlns:a16="http://schemas.microsoft.com/office/drawing/2014/main" id="{1086A6CD-9328-B89C-63B1-0A557C4B266C}"/>
+                <a16:creationId xmlns:a16="http://schemas.microsoft.com/office/drawing/2014/main" id="{5CDA04C6-437B-D405-F0A6-1276B15D28F8}"/>
               </a:ext>
             </a:extLst>
           </p:cNvPr>
@@ -580,7 +580,7 @@
           <p:cNvPr id="3" name="竖排文字占位符 2">
             <a:extLst>
               <a:ext uri="{FF2B5EF4-FFF2-40B4-BE49-F238E27FC236}">
-                <a16:creationId xmlns:a16="http://schemas.microsoft.com/office/drawing/2014/main" id="{8BAF289A-5615-C82B-38A5-D6F0C0EE2F4C}"/>
+                <a16:creationId xmlns:a16="http://schemas.microsoft.com/office/drawing/2014/main" id="{286CA3BD-12A7-F8D9-1D0B-04101F029385}"/>
               </a:ext>
             </a:extLst>
           </p:cNvPr>
@@ -642,7 +642,7 @@
           <p:cNvPr id="4" name="日期占位符 3">
             <a:extLst>
               <a:ext uri="{FF2B5EF4-FFF2-40B4-BE49-F238E27FC236}">
-                <a16:creationId xmlns:a16="http://schemas.microsoft.com/office/drawing/2014/main" id="{D3293EE5-58DA-96B0-B2B3-9F681AB12C60}"/>
+                <a16:creationId xmlns:a16="http://schemas.microsoft.com/office/drawing/2014/main" id="{1612AC74-5364-12FC-3785-28CB11211456}"/>
               </a:ext>
             </a:extLst>
           </p:cNvPr>
@@ -658,7 +658,7 @@
           <a:bodyPr/>
           <a:lstStyle/>
           <a:p>
-            <a:fld id="{632C64C7-D25B-4F8D-A5BB-CE5CF5A9F33D}" type="datetimeFigureOut">
+            <a:fld id="{BDAA2F50-1158-4130-8831-AE62522567A3}" type="datetimeFigureOut">
               <a:rPr lang="zh-CN" altLang="en-US" smtClean="0"/>
               <a:t>2024/3/10</a:t>
             </a:fld>
@@ -671,7 +671,7 @@
           <p:cNvPr id="5" name="页脚占位符 4">
             <a:extLst>
               <a:ext uri="{FF2B5EF4-FFF2-40B4-BE49-F238E27FC236}">
-                <a16:creationId xmlns:a16="http://schemas.microsoft.com/office/drawing/2014/main" id="{11976BC1-B724-9CCF-EDC7-85FEE42C2509}"/>
+                <a16:creationId xmlns:a16="http://schemas.microsoft.com/office/drawing/2014/main" id="{C1C1AAB3-071F-085D-5651-3F73D5F19B25}"/>
               </a:ext>
             </a:extLst>
           </p:cNvPr>
@@ -696,7 +696,7 @@
           <p:cNvPr id="6" name="灯片编号占位符 5">
             <a:extLst>
               <a:ext uri="{FF2B5EF4-FFF2-40B4-BE49-F238E27FC236}">
-                <a16:creationId xmlns:a16="http://schemas.microsoft.com/office/drawing/2014/main" id="{87A67B17-880F-BC23-492D-C438968BE90B}"/>
+                <a16:creationId xmlns:a16="http://schemas.microsoft.com/office/drawing/2014/main" id="{4F71B602-9E22-ACA8-75D7-A71C0C72F6D7}"/>
               </a:ext>
             </a:extLst>
           </p:cNvPr>
@@ -712,7 +712,7 @@
           <a:bodyPr/>
           <a:lstStyle/>
           <a:p>
-            <a:fld id="{D2098662-5C74-471D-BC53-A08C229D86E1}" type="slidenum">
+            <a:fld id="{63DCEB39-6D0D-4D94-A3A8-D1D935FD3785}" type="slidenum">
               <a:rPr lang="zh-CN" altLang="en-US" smtClean="0"/>
               <a:t>‹#›</a:t>
             </a:fld>
@@ -723,7 +723,7 @@
     </p:spTree>
     <p:extLst>
       <p:ext uri="{BB962C8B-B14F-4D97-AF65-F5344CB8AC3E}">
-        <p14:creationId xmlns:p14="http://schemas.microsoft.com/office/powerpoint/2010/main" val="3830050141"/>
+        <p14:creationId xmlns:p14="http://schemas.microsoft.com/office/powerpoint/2010/main" val="2526660239"/>
       </p:ext>
     </p:extLst>
   </p:cSld>
@@ -755,7 +755,7 @@
           <p:cNvPr id="2" name="标题 1">
             <a:extLst>
               <a:ext uri="{FF2B5EF4-FFF2-40B4-BE49-F238E27FC236}">
-                <a16:creationId xmlns:a16="http://schemas.microsoft.com/office/drawing/2014/main" id="{A855F28E-28DA-8F77-3C0D-8F955C406B5E}"/>
+                <a16:creationId xmlns:a16="http://schemas.microsoft.com/office/drawing/2014/main" id="{44DEA30F-1474-A0EA-AA18-CA82447512D9}"/>
               </a:ext>
             </a:extLst>
           </p:cNvPr>
@@ -783,7 +783,7 @@
           <p:cNvPr id="3" name="内容占位符 2">
             <a:extLst>
               <a:ext uri="{FF2B5EF4-FFF2-40B4-BE49-F238E27FC236}">
-                <a16:creationId xmlns:a16="http://schemas.microsoft.com/office/drawing/2014/main" id="{F9C2AD0F-5ECF-6E19-A6CD-7D21CD823779}"/>
+                <a16:creationId xmlns:a16="http://schemas.microsoft.com/office/drawing/2014/main" id="{39582E5A-1E4B-BBF1-0C0B-5B28E4FF95DF}"/>
               </a:ext>
             </a:extLst>
           </p:cNvPr>
@@ -840,7 +840,7 @@
           <p:cNvPr id="4" name="日期占位符 3">
             <a:extLst>
               <a:ext uri="{FF2B5EF4-FFF2-40B4-BE49-F238E27FC236}">
-                <a16:creationId xmlns:a16="http://schemas.microsoft.com/office/drawing/2014/main" id="{483596D9-02F5-3116-B083-9EC4AAEF1616}"/>
+                <a16:creationId xmlns:a16="http://schemas.microsoft.com/office/drawing/2014/main" id="{A680962E-0755-00EA-3ED7-B8DB71CC72C7}"/>
               </a:ext>
             </a:extLst>
           </p:cNvPr>
@@ -856,7 +856,7 @@
           <a:bodyPr/>
           <a:lstStyle/>
           <a:p>
-            <a:fld id="{632C64C7-D25B-4F8D-A5BB-CE5CF5A9F33D}" type="datetimeFigureOut">
+            <a:fld id="{BDAA2F50-1158-4130-8831-AE62522567A3}" type="datetimeFigureOut">
               <a:rPr lang="zh-CN" altLang="en-US" smtClean="0"/>
               <a:t>2024/3/10</a:t>
             </a:fld>
@@ -869,7 +869,7 @@
           <p:cNvPr id="5" name="页脚占位符 4">
             <a:extLst>
               <a:ext uri="{FF2B5EF4-FFF2-40B4-BE49-F238E27FC236}">
-                <a16:creationId xmlns:a16="http://schemas.microsoft.com/office/drawing/2014/main" id="{EA399ED8-DDF5-DB85-CC6C-D1D0D23B3017}"/>
+                <a16:creationId xmlns:a16="http://schemas.microsoft.com/office/drawing/2014/main" id="{950AC492-C1E9-7F32-4796-D964B62CC9FF}"/>
               </a:ext>
             </a:extLst>
           </p:cNvPr>
@@ -894,7 +894,7 @@
           <p:cNvPr id="6" name="灯片编号占位符 5">
             <a:extLst>
               <a:ext uri="{FF2B5EF4-FFF2-40B4-BE49-F238E27FC236}">
-                <a16:creationId xmlns:a16="http://schemas.microsoft.com/office/drawing/2014/main" id="{E4571082-605B-649F-371F-A886A17B9511}"/>
+                <a16:creationId xmlns:a16="http://schemas.microsoft.com/office/drawing/2014/main" id="{85C4AB80-C1DA-12E7-0D39-B295F46BBFF6}"/>
               </a:ext>
             </a:extLst>
           </p:cNvPr>
@@ -910,7 +910,7 @@
           <a:bodyPr/>
           <a:lstStyle/>
           <a:p>
-            <a:fld id="{D2098662-5C74-471D-BC53-A08C229D86E1}" type="slidenum">
+            <a:fld id="{63DCEB39-6D0D-4D94-A3A8-D1D935FD3785}" type="slidenum">
               <a:rPr lang="zh-CN" altLang="en-US" smtClean="0"/>
               <a:t>‹#›</a:t>
             </a:fld>
@@ -921,7 +921,7 @@
     </p:spTree>
     <p:extLst>
       <p:ext uri="{BB962C8B-B14F-4D97-AF65-F5344CB8AC3E}">
-        <p14:creationId xmlns:p14="http://schemas.microsoft.com/office/powerpoint/2010/main" val="1741120169"/>
+        <p14:creationId xmlns:p14="http://schemas.microsoft.com/office/powerpoint/2010/main" val="3932243572"/>
       </p:ext>
     </p:extLst>
   </p:cSld>
@@ -953,7 +953,7 @@
           <p:cNvPr id="2" name="标题 1">
             <a:extLst>
               <a:ext uri="{FF2B5EF4-FFF2-40B4-BE49-F238E27FC236}">
-                <a16:creationId xmlns:a16="http://schemas.microsoft.com/office/drawing/2014/main" id="{2EE9FA07-F4D0-DBDC-4517-C2C2EDC61781}"/>
+                <a16:creationId xmlns:a16="http://schemas.microsoft.com/office/drawing/2014/main" id="{5B8E7094-F55F-AC63-3E8D-23F8206DAB38}"/>
               </a:ext>
             </a:extLst>
           </p:cNvPr>
@@ -990,7 +990,7 @@
           <p:cNvPr id="3" name="文本占位符 2">
             <a:extLst>
               <a:ext uri="{FF2B5EF4-FFF2-40B4-BE49-F238E27FC236}">
-                <a16:creationId xmlns:a16="http://schemas.microsoft.com/office/drawing/2014/main" id="{C41BC580-5915-75E9-F487-9CB5FD6FD7F9}"/>
+                <a16:creationId xmlns:a16="http://schemas.microsoft.com/office/drawing/2014/main" id="{F32EE894-D574-D4FE-7E2A-A7E180148C3A}"/>
               </a:ext>
             </a:extLst>
           </p:cNvPr>
@@ -1115,7 +1115,7 @@
           <p:cNvPr id="4" name="日期占位符 3">
             <a:extLst>
               <a:ext uri="{FF2B5EF4-FFF2-40B4-BE49-F238E27FC236}">
-                <a16:creationId xmlns:a16="http://schemas.microsoft.com/office/drawing/2014/main" id="{D9ED63AA-79E6-9633-D1EB-B604CB8AA0DB}"/>
+                <a16:creationId xmlns:a16="http://schemas.microsoft.com/office/drawing/2014/main" id="{FA840C44-AF7D-7740-A8DD-9D6527DB085D}"/>
               </a:ext>
             </a:extLst>
           </p:cNvPr>
@@ -1131,7 +1131,7 @@
           <a:bodyPr/>
           <a:lstStyle/>
           <a:p>
-            <a:fld id="{632C64C7-D25B-4F8D-A5BB-CE5CF5A9F33D}" type="datetimeFigureOut">
+            <a:fld id="{BDAA2F50-1158-4130-8831-AE62522567A3}" type="datetimeFigureOut">
               <a:rPr lang="zh-CN" altLang="en-US" smtClean="0"/>
               <a:t>2024/3/10</a:t>
             </a:fld>
@@ -1144,7 +1144,7 @@
           <p:cNvPr id="5" name="页脚占位符 4">
             <a:extLst>
               <a:ext uri="{FF2B5EF4-FFF2-40B4-BE49-F238E27FC236}">
-                <a16:creationId xmlns:a16="http://schemas.microsoft.com/office/drawing/2014/main" id="{71327DA4-B203-9779-2EA6-0A6E5C2B89D3}"/>
+                <a16:creationId xmlns:a16="http://schemas.microsoft.com/office/drawing/2014/main" id="{B27E6326-0907-6201-1F88-A0E2CABF1944}"/>
               </a:ext>
             </a:extLst>
           </p:cNvPr>
@@ -1169,7 +1169,7 @@
           <p:cNvPr id="6" name="灯片编号占位符 5">
             <a:extLst>
               <a:ext uri="{FF2B5EF4-FFF2-40B4-BE49-F238E27FC236}">
-                <a16:creationId xmlns:a16="http://schemas.microsoft.com/office/drawing/2014/main" id="{3EABA59A-21DF-A01E-432F-95F28F197F40}"/>
+                <a16:creationId xmlns:a16="http://schemas.microsoft.com/office/drawing/2014/main" id="{58887E78-58D2-70C7-103C-7DBC04D151D8}"/>
               </a:ext>
             </a:extLst>
           </p:cNvPr>
@@ -1185,7 +1185,7 @@
           <a:bodyPr/>
           <a:lstStyle/>
           <a:p>
-            <a:fld id="{D2098662-5C74-471D-BC53-A08C229D86E1}" type="slidenum">
+            <a:fld id="{63DCEB39-6D0D-4D94-A3A8-D1D935FD3785}" type="slidenum">
               <a:rPr lang="zh-CN" altLang="en-US" smtClean="0"/>
               <a:t>‹#›</a:t>
             </a:fld>
@@ -1196,7 +1196,7 @@
     </p:spTree>
     <p:extLst>
       <p:ext uri="{BB962C8B-B14F-4D97-AF65-F5344CB8AC3E}">
-        <p14:creationId xmlns:p14="http://schemas.microsoft.com/office/powerpoint/2010/main" val="3147525162"/>
+        <p14:creationId xmlns:p14="http://schemas.microsoft.com/office/powerpoint/2010/main" val="4142637541"/>
       </p:ext>
     </p:extLst>
   </p:cSld>
@@ -1228,7 +1228,7 @@
           <p:cNvPr id="2" name="标题 1">
             <a:extLst>
               <a:ext uri="{FF2B5EF4-FFF2-40B4-BE49-F238E27FC236}">
-                <a16:creationId xmlns:a16="http://schemas.microsoft.com/office/drawing/2014/main" id="{A6B5A513-DED5-56D1-03DA-7EEB4B5789D5}"/>
+                <a16:creationId xmlns:a16="http://schemas.microsoft.com/office/drawing/2014/main" id="{5C61395B-64B5-FE95-6053-50BC1192568B}"/>
               </a:ext>
             </a:extLst>
           </p:cNvPr>
@@ -1256,7 +1256,7 @@
           <p:cNvPr id="3" name="内容占位符 2">
             <a:extLst>
               <a:ext uri="{FF2B5EF4-FFF2-40B4-BE49-F238E27FC236}">
-                <a16:creationId xmlns:a16="http://schemas.microsoft.com/office/drawing/2014/main" id="{2F1B2906-EE0C-58FB-5004-68837875C1F1}"/>
+                <a16:creationId xmlns:a16="http://schemas.microsoft.com/office/drawing/2014/main" id="{EA6AC11E-4172-9816-924D-D0DA14C4B770}"/>
               </a:ext>
             </a:extLst>
           </p:cNvPr>
@@ -1318,7 +1318,7 @@
           <p:cNvPr id="4" name="内容占位符 3">
             <a:extLst>
               <a:ext uri="{FF2B5EF4-FFF2-40B4-BE49-F238E27FC236}">
-                <a16:creationId xmlns:a16="http://schemas.microsoft.com/office/drawing/2014/main" id="{D917BDD3-5712-13B7-B540-6ED8DF136759}"/>
+                <a16:creationId xmlns:a16="http://schemas.microsoft.com/office/drawing/2014/main" id="{C3DB7AA0-2A1B-3924-F6FB-B4354BD757BD}"/>
               </a:ext>
             </a:extLst>
           </p:cNvPr>
@@ -1380,7 +1380,7 @@
           <p:cNvPr id="5" name="日期占位符 4">
             <a:extLst>
               <a:ext uri="{FF2B5EF4-FFF2-40B4-BE49-F238E27FC236}">
-                <a16:creationId xmlns:a16="http://schemas.microsoft.com/office/drawing/2014/main" id="{0AF4661B-0052-94AE-B161-1BA062442995}"/>
+                <a16:creationId xmlns:a16="http://schemas.microsoft.com/office/drawing/2014/main" id="{E3A449A0-6F18-A106-2570-2AA0CFE67209}"/>
               </a:ext>
             </a:extLst>
           </p:cNvPr>
@@ -1396,7 +1396,7 @@
           <a:bodyPr/>
           <a:lstStyle/>
           <a:p>
-            <a:fld id="{632C64C7-D25B-4F8D-A5BB-CE5CF5A9F33D}" type="datetimeFigureOut">
+            <a:fld id="{BDAA2F50-1158-4130-8831-AE62522567A3}" type="datetimeFigureOut">
               <a:rPr lang="zh-CN" altLang="en-US" smtClean="0"/>
               <a:t>2024/3/10</a:t>
             </a:fld>
@@ -1409,7 +1409,7 @@
           <p:cNvPr id="6" name="页脚占位符 5">
             <a:extLst>
               <a:ext uri="{FF2B5EF4-FFF2-40B4-BE49-F238E27FC236}">
-                <a16:creationId xmlns:a16="http://schemas.microsoft.com/office/drawing/2014/main" id="{982357F4-F62A-7DCC-D762-DFC1F302DAA8}"/>
+                <a16:creationId xmlns:a16="http://schemas.microsoft.com/office/drawing/2014/main" id="{ACB82042-30AA-93B8-A96C-5191D6CE2093}"/>
               </a:ext>
             </a:extLst>
           </p:cNvPr>
@@ -1434,7 +1434,7 @@
           <p:cNvPr id="7" name="灯片编号占位符 6">
             <a:extLst>
               <a:ext uri="{FF2B5EF4-FFF2-40B4-BE49-F238E27FC236}">
-                <a16:creationId xmlns:a16="http://schemas.microsoft.com/office/drawing/2014/main" id="{9AB01B02-5D14-CA51-F644-2CAE257C4307}"/>
+                <a16:creationId xmlns:a16="http://schemas.microsoft.com/office/drawing/2014/main" id="{D1294CC1-A063-C106-9348-32815FFDBD94}"/>
               </a:ext>
             </a:extLst>
           </p:cNvPr>
@@ -1450,7 +1450,7 @@
           <a:bodyPr/>
           <a:lstStyle/>
           <a:p>
-            <a:fld id="{D2098662-5C74-471D-BC53-A08C229D86E1}" type="slidenum">
+            <a:fld id="{63DCEB39-6D0D-4D94-A3A8-D1D935FD3785}" type="slidenum">
               <a:rPr lang="zh-CN" altLang="en-US" smtClean="0"/>
               <a:t>‹#›</a:t>
             </a:fld>
@@ -1461,7 +1461,7 @@
     </p:spTree>
     <p:extLst>
       <p:ext uri="{BB962C8B-B14F-4D97-AF65-F5344CB8AC3E}">
-        <p14:creationId xmlns:p14="http://schemas.microsoft.com/office/powerpoint/2010/main" val="3214453388"/>
+        <p14:creationId xmlns:p14="http://schemas.microsoft.com/office/powerpoint/2010/main" val="3359130931"/>
       </p:ext>
     </p:extLst>
   </p:cSld>
@@ -1493,7 +1493,7 @@
           <p:cNvPr id="2" name="标题 1">
             <a:extLst>
               <a:ext uri="{FF2B5EF4-FFF2-40B4-BE49-F238E27FC236}">
-                <a16:creationId xmlns:a16="http://schemas.microsoft.com/office/drawing/2014/main" id="{5544DD84-24FB-4272-0EF4-B2896A160478}"/>
+                <a16:creationId xmlns:a16="http://schemas.microsoft.com/office/drawing/2014/main" id="{D827BE15-768F-A512-1564-14BB7E2BC5BF}"/>
               </a:ext>
             </a:extLst>
           </p:cNvPr>
@@ -1526,7 +1526,7 @@
           <p:cNvPr id="3" name="文本占位符 2">
             <a:extLst>
               <a:ext uri="{FF2B5EF4-FFF2-40B4-BE49-F238E27FC236}">
-                <a16:creationId xmlns:a16="http://schemas.microsoft.com/office/drawing/2014/main" id="{9CFE2773-6282-3360-8FD0-5CF499EB3CB7}"/>
+                <a16:creationId xmlns:a16="http://schemas.microsoft.com/office/drawing/2014/main" id="{26D772AF-52ED-872B-05AB-BBB7A48A1D91}"/>
               </a:ext>
             </a:extLst>
           </p:cNvPr>
@@ -1597,7 +1597,7 @@
           <p:cNvPr id="4" name="内容占位符 3">
             <a:extLst>
               <a:ext uri="{FF2B5EF4-FFF2-40B4-BE49-F238E27FC236}">
-                <a16:creationId xmlns:a16="http://schemas.microsoft.com/office/drawing/2014/main" id="{BDCF8CB6-B53C-ED9D-C036-C36DB05765E8}"/>
+                <a16:creationId xmlns:a16="http://schemas.microsoft.com/office/drawing/2014/main" id="{D4D6EC21-EBF6-2B54-7A93-522E59783C93}"/>
               </a:ext>
             </a:extLst>
           </p:cNvPr>
@@ -1659,7 +1659,7 @@
           <p:cNvPr id="5" name="文本占位符 4">
             <a:extLst>
               <a:ext uri="{FF2B5EF4-FFF2-40B4-BE49-F238E27FC236}">
-                <a16:creationId xmlns:a16="http://schemas.microsoft.com/office/drawing/2014/main" id="{EC359D6B-68EB-4CD2-96B7-0E0A21FE11F9}"/>
+                <a16:creationId xmlns:a16="http://schemas.microsoft.com/office/drawing/2014/main" id="{DEF6791E-125C-FD3E-D8D7-4A9DAB1D27D9}"/>
               </a:ext>
             </a:extLst>
           </p:cNvPr>
@@ -1730,7 +1730,7 @@
           <p:cNvPr id="6" name="内容占位符 5">
             <a:extLst>
               <a:ext uri="{FF2B5EF4-FFF2-40B4-BE49-F238E27FC236}">
-                <a16:creationId xmlns:a16="http://schemas.microsoft.com/office/drawing/2014/main" id="{730A21A6-28C6-2B09-E11D-AE0B82C0B58A}"/>
+                <a16:creationId xmlns:a16="http://schemas.microsoft.com/office/drawing/2014/main" id="{E6B854AE-DC47-7717-DDF2-B28C1E7790B3}"/>
               </a:ext>
             </a:extLst>
           </p:cNvPr>
@@ -1792,7 +1792,7 @@
           <p:cNvPr id="7" name="日期占位符 6">
             <a:extLst>
               <a:ext uri="{FF2B5EF4-FFF2-40B4-BE49-F238E27FC236}">
-                <a16:creationId xmlns:a16="http://schemas.microsoft.com/office/drawing/2014/main" id="{9B3EE231-7A49-B3B3-4D3D-FDC1AAFC278D}"/>
+                <a16:creationId xmlns:a16="http://schemas.microsoft.com/office/drawing/2014/main" id="{53242B89-8BAE-37F5-342E-E6E83A3BC63B}"/>
               </a:ext>
             </a:extLst>
           </p:cNvPr>
@@ -1808,7 +1808,7 @@
           <a:bodyPr/>
           <a:lstStyle/>
           <a:p>
-            <a:fld id="{632C64C7-D25B-4F8D-A5BB-CE5CF5A9F33D}" type="datetimeFigureOut">
+            <a:fld id="{BDAA2F50-1158-4130-8831-AE62522567A3}" type="datetimeFigureOut">
               <a:rPr lang="zh-CN" altLang="en-US" smtClean="0"/>
               <a:t>2024/3/10</a:t>
             </a:fld>
@@ -1821,7 +1821,7 @@
           <p:cNvPr id="8" name="页脚占位符 7">
             <a:extLst>
               <a:ext uri="{FF2B5EF4-FFF2-40B4-BE49-F238E27FC236}">
-                <a16:creationId xmlns:a16="http://schemas.microsoft.com/office/drawing/2014/main" id="{2A9BDBA4-8D1D-05CD-5F91-CC842BE78394}"/>
+                <a16:creationId xmlns:a16="http://schemas.microsoft.com/office/drawing/2014/main" id="{F18D5EC0-6E72-90B6-FA5A-5FA19DBDB20C}"/>
               </a:ext>
             </a:extLst>
           </p:cNvPr>
@@ -1846,7 +1846,7 @@
           <p:cNvPr id="9" name="灯片编号占位符 8">
             <a:extLst>
               <a:ext uri="{FF2B5EF4-FFF2-40B4-BE49-F238E27FC236}">
-                <a16:creationId xmlns:a16="http://schemas.microsoft.com/office/drawing/2014/main" id="{78D002DE-DEC0-4319-0D29-81B0B297FCA8}"/>
+                <a16:creationId xmlns:a16="http://schemas.microsoft.com/office/drawing/2014/main" id="{930CDA61-B838-6742-620D-399C3D0B6E72}"/>
               </a:ext>
             </a:extLst>
           </p:cNvPr>
@@ -1862,7 +1862,7 @@
           <a:bodyPr/>
           <a:lstStyle/>
           <a:p>
-            <a:fld id="{D2098662-5C74-471D-BC53-A08C229D86E1}" type="slidenum">
+            <a:fld id="{63DCEB39-6D0D-4D94-A3A8-D1D935FD3785}" type="slidenum">
               <a:rPr lang="zh-CN" altLang="en-US" smtClean="0"/>
               <a:t>‹#›</a:t>
             </a:fld>
@@ -1873,7 +1873,7 @@
     </p:spTree>
     <p:extLst>
       <p:ext uri="{BB962C8B-B14F-4D97-AF65-F5344CB8AC3E}">
-        <p14:creationId xmlns:p14="http://schemas.microsoft.com/office/powerpoint/2010/main" val="3007335545"/>
+        <p14:creationId xmlns:p14="http://schemas.microsoft.com/office/powerpoint/2010/main" val="845450575"/>
       </p:ext>
     </p:extLst>
   </p:cSld>
@@ -1905,7 +1905,7 @@
           <p:cNvPr id="2" name="标题 1">
             <a:extLst>
               <a:ext uri="{FF2B5EF4-FFF2-40B4-BE49-F238E27FC236}">
-                <a16:creationId xmlns:a16="http://schemas.microsoft.com/office/drawing/2014/main" id="{710286A8-300A-6418-0FB2-E7A8B202AE54}"/>
+                <a16:creationId xmlns:a16="http://schemas.microsoft.com/office/drawing/2014/main" id="{061681F5-7147-A6CD-F8CD-02C1AF9551E6}"/>
               </a:ext>
             </a:extLst>
           </p:cNvPr>
@@ -1933,7 +1933,7 @@
           <p:cNvPr id="3" name="日期占位符 2">
             <a:extLst>
               <a:ext uri="{FF2B5EF4-FFF2-40B4-BE49-F238E27FC236}">
-                <a16:creationId xmlns:a16="http://schemas.microsoft.com/office/drawing/2014/main" id="{1C0C3407-9E0F-B02C-AFED-D6ED3AB02C85}"/>
+                <a16:creationId xmlns:a16="http://schemas.microsoft.com/office/drawing/2014/main" id="{179F20AF-EC33-B851-0229-7A0CAA35B11D}"/>
               </a:ext>
             </a:extLst>
           </p:cNvPr>
@@ -1949,7 +1949,7 @@
           <a:bodyPr/>
           <a:lstStyle/>
           <a:p>
-            <a:fld id="{632C64C7-D25B-4F8D-A5BB-CE5CF5A9F33D}" type="datetimeFigureOut">
+            <a:fld id="{BDAA2F50-1158-4130-8831-AE62522567A3}" type="datetimeFigureOut">
               <a:rPr lang="zh-CN" altLang="en-US" smtClean="0"/>
               <a:t>2024/3/10</a:t>
             </a:fld>
@@ -1962,7 +1962,7 @@
           <p:cNvPr id="4" name="页脚占位符 3">
             <a:extLst>
               <a:ext uri="{FF2B5EF4-FFF2-40B4-BE49-F238E27FC236}">
-                <a16:creationId xmlns:a16="http://schemas.microsoft.com/office/drawing/2014/main" id="{91F3EEBB-BC01-CF27-9861-9B076BF75819}"/>
+                <a16:creationId xmlns:a16="http://schemas.microsoft.com/office/drawing/2014/main" id="{362B62E3-BA69-8ED2-0930-8B6146E744B1}"/>
               </a:ext>
             </a:extLst>
           </p:cNvPr>
@@ -1987,7 +1987,7 @@
           <p:cNvPr id="5" name="灯片编号占位符 4">
             <a:extLst>
               <a:ext uri="{FF2B5EF4-FFF2-40B4-BE49-F238E27FC236}">
-                <a16:creationId xmlns:a16="http://schemas.microsoft.com/office/drawing/2014/main" id="{BE81C1B2-14B9-B170-814C-34A721D22B47}"/>
+                <a16:creationId xmlns:a16="http://schemas.microsoft.com/office/drawing/2014/main" id="{8A14C620-FED0-588E-DFF9-D0E063B4863B}"/>
               </a:ext>
             </a:extLst>
           </p:cNvPr>
@@ -2003,7 +2003,7 @@
           <a:bodyPr/>
           <a:lstStyle/>
           <a:p>
-            <a:fld id="{D2098662-5C74-471D-BC53-A08C229D86E1}" type="slidenum">
+            <a:fld id="{63DCEB39-6D0D-4D94-A3A8-D1D935FD3785}" type="slidenum">
               <a:rPr lang="zh-CN" altLang="en-US" smtClean="0"/>
               <a:t>‹#›</a:t>
             </a:fld>
@@ -2014,7 +2014,7 @@
     </p:spTree>
     <p:extLst>
       <p:ext uri="{BB962C8B-B14F-4D97-AF65-F5344CB8AC3E}">
-        <p14:creationId xmlns:p14="http://schemas.microsoft.com/office/powerpoint/2010/main" val="2481194039"/>
+        <p14:creationId xmlns:p14="http://schemas.microsoft.com/office/powerpoint/2010/main" val="3344805020"/>
       </p:ext>
     </p:extLst>
   </p:cSld>
@@ -2046,7 +2046,7 @@
           <p:cNvPr id="2" name="日期占位符 1">
             <a:extLst>
               <a:ext uri="{FF2B5EF4-FFF2-40B4-BE49-F238E27FC236}">
-                <a16:creationId xmlns:a16="http://schemas.microsoft.com/office/drawing/2014/main" id="{CE33F782-C340-6FA2-25B4-E740888B3DD9}"/>
+                <a16:creationId xmlns:a16="http://schemas.microsoft.com/office/drawing/2014/main" id="{94BE5116-E057-7BA2-0DAC-C142E67C52AA}"/>
               </a:ext>
             </a:extLst>
           </p:cNvPr>
@@ -2062,7 +2062,7 @@
           <a:bodyPr/>
           <a:lstStyle/>
           <a:p>
-            <a:fld id="{632C64C7-D25B-4F8D-A5BB-CE5CF5A9F33D}" type="datetimeFigureOut">
+            <a:fld id="{BDAA2F50-1158-4130-8831-AE62522567A3}" type="datetimeFigureOut">
               <a:rPr lang="zh-CN" altLang="en-US" smtClean="0"/>
               <a:t>2024/3/10</a:t>
             </a:fld>
@@ -2075,7 +2075,7 @@
           <p:cNvPr id="3" name="页脚占位符 2">
             <a:extLst>
               <a:ext uri="{FF2B5EF4-FFF2-40B4-BE49-F238E27FC236}">
-                <a16:creationId xmlns:a16="http://schemas.microsoft.com/office/drawing/2014/main" id="{5BA65442-9D74-23AD-E746-08758F34732A}"/>
+                <a16:creationId xmlns:a16="http://schemas.microsoft.com/office/drawing/2014/main" id="{5E56B479-0E91-82FD-5114-D030351A8AA3}"/>
               </a:ext>
             </a:extLst>
           </p:cNvPr>
@@ -2100,7 +2100,7 @@
           <p:cNvPr id="4" name="灯片编号占位符 3">
             <a:extLst>
               <a:ext uri="{FF2B5EF4-FFF2-40B4-BE49-F238E27FC236}">
-                <a16:creationId xmlns:a16="http://schemas.microsoft.com/office/drawing/2014/main" id="{85182852-969A-FC37-9E46-F3F7A9C9A55C}"/>
+                <a16:creationId xmlns:a16="http://schemas.microsoft.com/office/drawing/2014/main" id="{2745AC34-C2D2-6B1B-0ADA-6AC417B5AA48}"/>
               </a:ext>
             </a:extLst>
           </p:cNvPr>
@@ -2116,7 +2116,7 @@
           <a:bodyPr/>
           <a:lstStyle/>
           <a:p>
-            <a:fld id="{D2098662-5C74-471D-BC53-A08C229D86E1}" type="slidenum">
+            <a:fld id="{63DCEB39-6D0D-4D94-A3A8-D1D935FD3785}" type="slidenum">
               <a:rPr lang="zh-CN" altLang="en-US" smtClean="0"/>
               <a:t>‹#›</a:t>
             </a:fld>
@@ -2127,7 +2127,7 @@
     </p:spTree>
     <p:extLst>
       <p:ext uri="{BB962C8B-B14F-4D97-AF65-F5344CB8AC3E}">
-        <p14:creationId xmlns:p14="http://schemas.microsoft.com/office/powerpoint/2010/main" val="639183380"/>
+        <p14:creationId xmlns:p14="http://schemas.microsoft.com/office/powerpoint/2010/main" val="236106866"/>
       </p:ext>
     </p:extLst>
   </p:cSld>
@@ -2159,7 +2159,7 @@
           <p:cNvPr id="2" name="标题 1">
             <a:extLst>
               <a:ext uri="{FF2B5EF4-FFF2-40B4-BE49-F238E27FC236}">
-                <a16:creationId xmlns:a16="http://schemas.microsoft.com/office/drawing/2014/main" id="{82456E0B-1256-B1D0-8159-F0B292A15CD9}"/>
+                <a16:creationId xmlns:a16="http://schemas.microsoft.com/office/drawing/2014/main" id="{4E8D1F3E-AE5E-B672-BD0D-C683606EAF76}"/>
               </a:ext>
             </a:extLst>
           </p:cNvPr>
@@ -2196,7 +2196,7 @@
           <p:cNvPr id="3" name="内容占位符 2">
             <a:extLst>
               <a:ext uri="{FF2B5EF4-FFF2-40B4-BE49-F238E27FC236}">
-                <a16:creationId xmlns:a16="http://schemas.microsoft.com/office/drawing/2014/main" id="{AE9C49CE-DB78-C17C-2B96-944FDE6022D1}"/>
+                <a16:creationId xmlns:a16="http://schemas.microsoft.com/office/drawing/2014/main" id="{71737080-2291-2C72-A311-FE3FE81A19A6}"/>
               </a:ext>
             </a:extLst>
           </p:cNvPr>
@@ -2286,7 +2286,7 @@
           <p:cNvPr id="4" name="文本占位符 3">
             <a:extLst>
               <a:ext uri="{FF2B5EF4-FFF2-40B4-BE49-F238E27FC236}">
-                <a16:creationId xmlns:a16="http://schemas.microsoft.com/office/drawing/2014/main" id="{644BCF2F-B93C-1DC0-8BBA-B48715DE5BAA}"/>
+                <a16:creationId xmlns:a16="http://schemas.microsoft.com/office/drawing/2014/main" id="{F74C6AA4-3BFB-5D6C-B956-71DE50CD371C}"/>
               </a:ext>
             </a:extLst>
           </p:cNvPr>
@@ -2357,7 +2357,7 @@
           <p:cNvPr id="5" name="日期占位符 4">
             <a:extLst>
               <a:ext uri="{FF2B5EF4-FFF2-40B4-BE49-F238E27FC236}">
-                <a16:creationId xmlns:a16="http://schemas.microsoft.com/office/drawing/2014/main" id="{3A52A006-8F09-F592-4BD0-6BBE4D9421E9}"/>
+                <a16:creationId xmlns:a16="http://schemas.microsoft.com/office/drawing/2014/main" id="{E6B4DE0C-F0A7-5F6E-CD36-B5CB2A7323FE}"/>
               </a:ext>
             </a:extLst>
           </p:cNvPr>
@@ -2373,7 +2373,7 @@
           <a:bodyPr/>
           <a:lstStyle/>
           <a:p>
-            <a:fld id="{632C64C7-D25B-4F8D-A5BB-CE5CF5A9F33D}" type="datetimeFigureOut">
+            <a:fld id="{BDAA2F50-1158-4130-8831-AE62522567A3}" type="datetimeFigureOut">
               <a:rPr lang="zh-CN" altLang="en-US" smtClean="0"/>
               <a:t>2024/3/10</a:t>
             </a:fld>
@@ -2386,7 +2386,7 @@
           <p:cNvPr id="6" name="页脚占位符 5">
             <a:extLst>
               <a:ext uri="{FF2B5EF4-FFF2-40B4-BE49-F238E27FC236}">
-                <a16:creationId xmlns:a16="http://schemas.microsoft.com/office/drawing/2014/main" id="{AC87A9E2-C1D6-F09F-41FC-FFC5EA03BA11}"/>
+                <a16:creationId xmlns:a16="http://schemas.microsoft.com/office/drawing/2014/main" id="{83A292DE-B868-08E5-D810-BF632D337F56}"/>
               </a:ext>
             </a:extLst>
           </p:cNvPr>
@@ -2411,7 +2411,7 @@
           <p:cNvPr id="7" name="灯片编号占位符 6">
             <a:extLst>
               <a:ext uri="{FF2B5EF4-FFF2-40B4-BE49-F238E27FC236}">
-                <a16:creationId xmlns:a16="http://schemas.microsoft.com/office/drawing/2014/main" id="{1FB567E6-30A9-2270-A8FC-290709FA60BA}"/>
+                <a16:creationId xmlns:a16="http://schemas.microsoft.com/office/drawing/2014/main" id="{A7DF6637-3E0B-36BD-8842-33E633D47F40}"/>
               </a:ext>
             </a:extLst>
           </p:cNvPr>
@@ -2427,7 +2427,7 @@
           <a:bodyPr/>
           <a:lstStyle/>
           <a:p>
-            <a:fld id="{D2098662-5C74-471D-BC53-A08C229D86E1}" type="slidenum">
+            <a:fld id="{63DCEB39-6D0D-4D94-A3A8-D1D935FD3785}" type="slidenum">
               <a:rPr lang="zh-CN" altLang="en-US" smtClean="0"/>
               <a:t>‹#›</a:t>
             </a:fld>
@@ -2438,7 +2438,7 @@
     </p:spTree>
     <p:extLst>
       <p:ext uri="{BB962C8B-B14F-4D97-AF65-F5344CB8AC3E}">
-        <p14:creationId xmlns:p14="http://schemas.microsoft.com/office/powerpoint/2010/main" val="3893672422"/>
+        <p14:creationId xmlns:p14="http://schemas.microsoft.com/office/powerpoint/2010/main" val="304866108"/>
       </p:ext>
     </p:extLst>
   </p:cSld>
@@ -2470,7 +2470,7 @@
           <p:cNvPr id="2" name="标题 1">
             <a:extLst>
               <a:ext uri="{FF2B5EF4-FFF2-40B4-BE49-F238E27FC236}">
-                <a16:creationId xmlns:a16="http://schemas.microsoft.com/office/drawing/2014/main" id="{42187824-F7CC-14AA-49F0-A83BFA4801F0}"/>
+                <a16:creationId xmlns:a16="http://schemas.microsoft.com/office/drawing/2014/main" id="{E28E26AD-A227-9342-EC0A-B60CD4F6A057}"/>
               </a:ext>
             </a:extLst>
           </p:cNvPr>
@@ -2507,7 +2507,7 @@
           <p:cNvPr id="3" name="图片占位符 2">
             <a:extLst>
               <a:ext uri="{FF2B5EF4-FFF2-40B4-BE49-F238E27FC236}">
-                <a16:creationId xmlns:a16="http://schemas.microsoft.com/office/drawing/2014/main" id="{97F5B1FD-74A9-A727-19D1-36E5D0AE1D42}"/>
+                <a16:creationId xmlns:a16="http://schemas.microsoft.com/office/drawing/2014/main" id="{9DEFA786-CC2E-62DE-4B9E-FEDEF7664CFB}"/>
               </a:ext>
             </a:extLst>
           </p:cNvPr>
@@ -2574,7 +2574,7 @@
           <p:cNvPr id="4" name="文本占位符 3">
             <a:extLst>
               <a:ext uri="{FF2B5EF4-FFF2-40B4-BE49-F238E27FC236}">
-                <a16:creationId xmlns:a16="http://schemas.microsoft.com/office/drawing/2014/main" id="{EB60912D-6422-4F7A-177C-695F07C2680C}"/>
+                <a16:creationId xmlns:a16="http://schemas.microsoft.com/office/drawing/2014/main" id="{F2D9FCF6-E9D4-F251-DF89-38583CCC54F7}"/>
               </a:ext>
             </a:extLst>
           </p:cNvPr>
@@ -2645,7 +2645,7 @@
           <p:cNvPr id="5" name="日期占位符 4">
             <a:extLst>
               <a:ext uri="{FF2B5EF4-FFF2-40B4-BE49-F238E27FC236}">
-                <a16:creationId xmlns:a16="http://schemas.microsoft.com/office/drawing/2014/main" id="{8F2949CD-B7CB-EEEC-4921-BDDA5559EAE7}"/>
+                <a16:creationId xmlns:a16="http://schemas.microsoft.com/office/drawing/2014/main" id="{7A0F8F3E-AF04-954D-A9C9-4A79B895CAF6}"/>
               </a:ext>
             </a:extLst>
           </p:cNvPr>
@@ -2661,7 +2661,7 @@
           <a:bodyPr/>
           <a:lstStyle/>
           <a:p>
-            <a:fld id="{632C64C7-D25B-4F8D-A5BB-CE5CF5A9F33D}" type="datetimeFigureOut">
+            <a:fld id="{BDAA2F50-1158-4130-8831-AE62522567A3}" type="datetimeFigureOut">
               <a:rPr lang="zh-CN" altLang="en-US" smtClean="0"/>
               <a:t>2024/3/10</a:t>
             </a:fld>
@@ -2674,7 +2674,7 @@
           <p:cNvPr id="6" name="页脚占位符 5">
             <a:extLst>
               <a:ext uri="{FF2B5EF4-FFF2-40B4-BE49-F238E27FC236}">
-                <a16:creationId xmlns:a16="http://schemas.microsoft.com/office/drawing/2014/main" id="{0AB92F29-B2CC-9F69-0179-5E19ACC68999}"/>
+                <a16:creationId xmlns:a16="http://schemas.microsoft.com/office/drawing/2014/main" id="{16908B38-3C7C-9AF4-E49B-63292A6E187F}"/>
               </a:ext>
             </a:extLst>
           </p:cNvPr>
@@ -2699,7 +2699,7 @@
           <p:cNvPr id="7" name="灯片编号占位符 6">
             <a:extLst>
               <a:ext uri="{FF2B5EF4-FFF2-40B4-BE49-F238E27FC236}">
-                <a16:creationId xmlns:a16="http://schemas.microsoft.com/office/drawing/2014/main" id="{36F67F2C-4EEB-0CBC-8A9A-0CA81BBE39D5}"/>
+                <a16:creationId xmlns:a16="http://schemas.microsoft.com/office/drawing/2014/main" id="{5056BBD6-3F08-CEFA-4D57-3284870966B9}"/>
               </a:ext>
             </a:extLst>
           </p:cNvPr>
@@ -2715,7 +2715,7 @@
           <a:bodyPr/>
           <a:lstStyle/>
           <a:p>
-            <a:fld id="{D2098662-5C74-471D-BC53-A08C229D86E1}" type="slidenum">
+            <a:fld id="{63DCEB39-6D0D-4D94-A3A8-D1D935FD3785}" type="slidenum">
               <a:rPr lang="zh-CN" altLang="en-US" smtClean="0"/>
               <a:t>‹#›</a:t>
             </a:fld>
@@ -2726,7 +2726,7 @@
     </p:spTree>
     <p:extLst>
       <p:ext uri="{BB962C8B-B14F-4D97-AF65-F5344CB8AC3E}">
-        <p14:creationId xmlns:p14="http://schemas.microsoft.com/office/powerpoint/2010/main" val="1771907537"/>
+        <p14:creationId xmlns:p14="http://schemas.microsoft.com/office/powerpoint/2010/main" val="277258120"/>
       </p:ext>
     </p:extLst>
   </p:cSld>
@@ -2763,7 +2763,7 @@
           <p:cNvPr id="2" name="标题占位符 1">
             <a:extLst>
               <a:ext uri="{FF2B5EF4-FFF2-40B4-BE49-F238E27FC236}">
-                <a16:creationId xmlns:a16="http://schemas.microsoft.com/office/drawing/2014/main" id="{66DB1A0D-8FE7-FB71-E461-2D4933A15275}"/>
+                <a16:creationId xmlns:a16="http://schemas.microsoft.com/office/drawing/2014/main" id="{01E8D80E-5AC8-C640-D0D6-97E6EA06635D}"/>
               </a:ext>
             </a:extLst>
           </p:cNvPr>
@@ -2801,7 +2801,7 @@
           <p:cNvPr id="3" name="文本占位符 2">
             <a:extLst>
               <a:ext uri="{FF2B5EF4-FFF2-40B4-BE49-F238E27FC236}">
-                <a16:creationId xmlns:a16="http://schemas.microsoft.com/office/drawing/2014/main" id="{78B99FEC-9DF8-DD1C-E119-A4C223AA0AFC}"/>
+                <a16:creationId xmlns:a16="http://schemas.microsoft.com/office/drawing/2014/main" id="{6A3B636A-836E-21C6-CD3B-20438EBFA464}"/>
               </a:ext>
             </a:extLst>
           </p:cNvPr>
@@ -2868,7 +2868,7 @@
           <p:cNvPr id="4" name="日期占位符 3">
             <a:extLst>
               <a:ext uri="{FF2B5EF4-FFF2-40B4-BE49-F238E27FC236}">
-                <a16:creationId xmlns:a16="http://schemas.microsoft.com/office/drawing/2014/main" id="{401D6D91-E000-2A7F-D7C0-A64EABF77037}"/>
+                <a16:creationId xmlns:a16="http://schemas.microsoft.com/office/drawing/2014/main" id="{F607EF40-A72E-99FF-F3F2-1C4B01891718}"/>
               </a:ext>
             </a:extLst>
           </p:cNvPr>
@@ -2902,7 +2902,7 @@
             </a:lvl1pPr>
           </a:lstStyle>
           <a:p>
-            <a:fld id="{632C64C7-D25B-4F8D-A5BB-CE5CF5A9F33D}" type="datetimeFigureOut">
+            <a:fld id="{BDAA2F50-1158-4130-8831-AE62522567A3}" type="datetimeFigureOut">
               <a:rPr lang="zh-CN" altLang="en-US" smtClean="0"/>
               <a:t>2024/3/10</a:t>
             </a:fld>
@@ -2915,7 +2915,7 @@
           <p:cNvPr id="5" name="页脚占位符 4">
             <a:extLst>
               <a:ext uri="{FF2B5EF4-FFF2-40B4-BE49-F238E27FC236}">
-                <a16:creationId xmlns:a16="http://schemas.microsoft.com/office/drawing/2014/main" id="{D55FA0E0-D4D3-CC46-27DB-47F9E1DAA095}"/>
+                <a16:creationId xmlns:a16="http://schemas.microsoft.com/office/drawing/2014/main" id="{AFF7D0B7-FA21-0298-81E0-2BF5047FEB93}"/>
               </a:ext>
             </a:extLst>
           </p:cNvPr>
@@ -2958,7 +2958,7 @@
           <p:cNvPr id="6" name="灯片编号占位符 5">
             <a:extLst>
               <a:ext uri="{FF2B5EF4-FFF2-40B4-BE49-F238E27FC236}">
-                <a16:creationId xmlns:a16="http://schemas.microsoft.com/office/drawing/2014/main" id="{2E94C727-7391-2215-ED4E-955510EEC742}"/>
+                <a16:creationId xmlns:a16="http://schemas.microsoft.com/office/drawing/2014/main" id="{6F6740A1-F3B3-FCC5-CBDA-49B3BE7EA6AE}"/>
               </a:ext>
             </a:extLst>
           </p:cNvPr>
@@ -2992,7 +2992,7 @@
             </a:lvl1pPr>
           </a:lstStyle>
           <a:p>
-            <a:fld id="{D2098662-5C74-471D-BC53-A08C229D86E1}" type="slidenum">
+            <a:fld id="{63DCEB39-6D0D-4D94-A3A8-D1D935FD3785}" type="slidenum">
               <a:rPr lang="zh-CN" altLang="en-US" smtClean="0"/>
               <a:t>‹#›</a:t>
             </a:fld>
@@ -3003,7 +3003,7 @@
     </p:spTree>
     <p:extLst>
       <p:ext uri="{BB962C8B-B14F-4D97-AF65-F5344CB8AC3E}">
-        <p14:creationId xmlns:p14="http://schemas.microsoft.com/office/powerpoint/2010/main" val="800560793"/>
+        <p14:creationId xmlns:p14="http://schemas.microsoft.com/office/powerpoint/2010/main" val="1918841125"/>
       </p:ext>
     </p:extLst>
   </p:cSld>
